--- a/App Dev final.pptx
+++ b/App Dev final.pptx
@@ -104,6 +104,11 @@
       </a:defRPr>
     </a:lvl9pPr>
   </p:defaultTextStyle>
+  <p:extLst>
+    <p:ext uri="{EFAFB233-063F-42B5-8137-9DF3F51BA10A}">
+      <p15:sldGuideLst xmlns:p15="http://schemas.microsoft.com/office/powerpoint/2012/main"/>
+    </p:ext>
+  </p:extLst>
 </p:presentation>
 </file>
 
@@ -254,7 +259,7 @@
           <a:p>
             <a:fld id="{E7CD57DC-C6B5-4868-AFC1-C939CD3D657B}" type="datetimeFigureOut">
               <a:rPr lang="en-US" smtClean="0"/>
-              <a:t>4/26/2024</a:t>
+              <a:t>4/28/2024</a:t>
             </a:fld>
             <a:endParaRPr lang="en-US"/>
           </a:p>
@@ -452,7 +457,7 @@
           <a:p>
             <a:fld id="{E7CD57DC-C6B5-4868-AFC1-C939CD3D657B}" type="datetimeFigureOut">
               <a:rPr lang="en-US" smtClean="0"/>
-              <a:t>4/26/2024</a:t>
+              <a:t>4/28/2024</a:t>
             </a:fld>
             <a:endParaRPr lang="en-US"/>
           </a:p>
@@ -660,7 +665,7 @@
           <a:p>
             <a:fld id="{E7CD57DC-C6B5-4868-AFC1-C939CD3D657B}" type="datetimeFigureOut">
               <a:rPr lang="en-US" smtClean="0"/>
-              <a:t>4/26/2024</a:t>
+              <a:t>4/28/2024</a:t>
             </a:fld>
             <a:endParaRPr lang="en-US"/>
           </a:p>
@@ -858,7 +863,7 @@
           <a:p>
             <a:fld id="{E7CD57DC-C6B5-4868-AFC1-C939CD3D657B}" type="datetimeFigureOut">
               <a:rPr lang="en-US" smtClean="0"/>
-              <a:t>4/26/2024</a:t>
+              <a:t>4/28/2024</a:t>
             </a:fld>
             <a:endParaRPr lang="en-US"/>
           </a:p>
@@ -1133,7 +1138,7 @@
           <a:p>
             <a:fld id="{E7CD57DC-C6B5-4868-AFC1-C939CD3D657B}" type="datetimeFigureOut">
               <a:rPr lang="en-US" smtClean="0"/>
-              <a:t>4/26/2024</a:t>
+              <a:t>4/28/2024</a:t>
             </a:fld>
             <a:endParaRPr lang="en-US"/>
           </a:p>
@@ -1398,7 +1403,7 @@
           <a:p>
             <a:fld id="{E7CD57DC-C6B5-4868-AFC1-C939CD3D657B}" type="datetimeFigureOut">
               <a:rPr lang="en-US" smtClean="0"/>
-              <a:t>4/26/2024</a:t>
+              <a:t>4/28/2024</a:t>
             </a:fld>
             <a:endParaRPr lang="en-US"/>
           </a:p>
@@ -1810,7 +1815,7 @@
           <a:p>
             <a:fld id="{E7CD57DC-C6B5-4868-AFC1-C939CD3D657B}" type="datetimeFigureOut">
               <a:rPr lang="en-US" smtClean="0"/>
-              <a:t>4/26/2024</a:t>
+              <a:t>4/28/2024</a:t>
             </a:fld>
             <a:endParaRPr lang="en-US"/>
           </a:p>
@@ -1951,7 +1956,7 @@
           <a:p>
             <a:fld id="{E7CD57DC-C6B5-4868-AFC1-C939CD3D657B}" type="datetimeFigureOut">
               <a:rPr lang="en-US" smtClean="0"/>
-              <a:t>4/26/2024</a:t>
+              <a:t>4/28/2024</a:t>
             </a:fld>
             <a:endParaRPr lang="en-US"/>
           </a:p>
@@ -2064,7 +2069,7 @@
           <a:p>
             <a:fld id="{E7CD57DC-C6B5-4868-AFC1-C939CD3D657B}" type="datetimeFigureOut">
               <a:rPr lang="en-US" smtClean="0"/>
-              <a:t>4/26/2024</a:t>
+              <a:t>4/28/2024</a:t>
             </a:fld>
             <a:endParaRPr lang="en-US"/>
           </a:p>
@@ -2375,7 +2380,7 @@
           <a:p>
             <a:fld id="{E7CD57DC-C6B5-4868-AFC1-C939CD3D657B}" type="datetimeFigureOut">
               <a:rPr lang="en-US" smtClean="0"/>
-              <a:t>4/26/2024</a:t>
+              <a:t>4/28/2024</a:t>
             </a:fld>
             <a:endParaRPr lang="en-US"/>
           </a:p>
@@ -2663,7 +2668,7 @@
           <a:p>
             <a:fld id="{E7CD57DC-C6B5-4868-AFC1-C939CD3D657B}" type="datetimeFigureOut">
               <a:rPr lang="en-US" smtClean="0"/>
-              <a:t>4/26/2024</a:t>
+              <a:t>4/28/2024</a:t>
             </a:fld>
             <a:endParaRPr lang="en-US"/>
           </a:p>
@@ -2904,7 +2909,7 @@
           <a:p>
             <a:fld id="{E7CD57DC-C6B5-4868-AFC1-C939CD3D657B}" type="datetimeFigureOut">
               <a:rPr lang="en-US" smtClean="0"/>
-              <a:t>4/26/2024</a:t>
+              <a:t>4/28/2024</a:t>
             </a:fld>
             <a:endParaRPr lang="en-US"/>
           </a:p>
@@ -3422,7 +3427,7 @@
           <a:p>
             <a:pPr algn="l"/>
             <a:r>
-              <a:rPr lang="en-US" sz="5400" dirty="0" err="1">
+              <a:rPr lang="en-US" sz="5400">
                 <a:solidFill>
                   <a:schemeClr val="bg1"/>
                 </a:solidFill>
@@ -3461,13 +3466,13 @@
         </p:spPr>
         <p:txBody>
           <a:bodyPr>
-            <a:normAutofit/>
+            <a:normAutofit fontScale="92500" lnSpcReduction="10000"/>
           </a:bodyPr>
           <a:lstStyle/>
           <a:p>
             <a:pPr algn="l"/>
             <a:r>
-              <a:rPr lang="en-US" sz="2000" kern="100" dirty="0">
+              <a:rPr lang="en-US" sz="2000" kern="100">
                 <a:solidFill>
                   <a:schemeClr val="bg1"/>
                 </a:solidFill>
@@ -3481,13 +3486,32 @@
           <a:p>
             <a:pPr algn="l"/>
             <a:r>
-              <a:rPr lang="en-US" sz="2000" dirty="0">
+              <a:rPr lang="en-US" sz="2000">
                 <a:solidFill>
                   <a:schemeClr val="bg1"/>
                 </a:solidFill>
               </a:rPr>
               <a:t>By: Michael Fueston</a:t>
             </a:r>
+          </a:p>
+          <a:p>
+            <a:pPr algn="l"/>
+            <a:r>
+              <a:rPr lang="en-US" sz="2000">
+                <a:solidFill>
+                  <a:schemeClr val="bg1"/>
+                </a:solidFill>
+              </a:rPr>
+              <a:t>https://github.com/ksu-is/Macro-Tracker</a:t>
+            </a:r>
+          </a:p>
+          <a:p>
+            <a:pPr algn="l"/>
+            <a:endParaRPr lang="en-US" sz="2000" dirty="0">
+              <a:solidFill>
+                <a:schemeClr val="bg1"/>
+              </a:solidFill>
+            </a:endParaRPr>
           </a:p>
         </p:txBody>
       </p:sp>
@@ -4607,6 +4631,78 @@
           </a:prstGeom>
         </p:spPr>
       </p:pic>
+      <p:pic>
+        <p:nvPicPr>
+          <p:cNvPr id="5" name="Picture 4" descr="A screenshot of a computer&#10;&#10;Description automatically generated">
+            <a:extLst>
+              <a:ext uri="{FF2B5EF4-FFF2-40B4-BE49-F238E27FC236}">
+                <a16:creationId xmlns:a16="http://schemas.microsoft.com/office/drawing/2014/main" id="{7F67FB28-FB88-6E14-9237-2B69C8076083}"/>
+              </a:ext>
+            </a:extLst>
+          </p:cNvPr>
+          <p:cNvPicPr>
+            <a:picLocks noChangeAspect="1"/>
+          </p:cNvPicPr>
+          <p:nvPr/>
+        </p:nvPicPr>
+        <p:blipFill>
+          <a:blip r:embed="rId4">
+            <a:extLst>
+              <a:ext uri="{28A0092B-C50C-407E-A947-70E740481C1C}">
+                <a14:useLocalDpi xmlns:a14="http://schemas.microsoft.com/office/drawing/2010/main" val="0"/>
+              </a:ext>
+            </a:extLst>
+          </a:blip>
+          <a:stretch>
+            <a:fillRect/>
+          </a:stretch>
+        </p:blipFill>
+        <p:spPr>
+          <a:xfrm>
+            <a:off x="8631381" y="4161399"/>
+            <a:ext cx="2085403" cy="1877164"/>
+          </a:xfrm>
+          <a:prstGeom prst="rect">
+            <a:avLst/>
+          </a:prstGeom>
+        </p:spPr>
+      </p:pic>
+      <p:pic>
+        <p:nvPicPr>
+          <p:cNvPr id="7" name="Picture 6" descr="A screenshot of a computer screen&#10;&#10;Description automatically generated">
+            <a:extLst>
+              <a:ext uri="{FF2B5EF4-FFF2-40B4-BE49-F238E27FC236}">
+                <a16:creationId xmlns:a16="http://schemas.microsoft.com/office/drawing/2014/main" id="{372F7AB9-BE3E-579D-1ACC-CDDCD326FD22}"/>
+              </a:ext>
+            </a:extLst>
+          </p:cNvPr>
+          <p:cNvPicPr>
+            <a:picLocks noChangeAspect="1"/>
+          </p:cNvPicPr>
+          <p:nvPr/>
+        </p:nvPicPr>
+        <p:blipFill>
+          <a:blip r:embed="rId5">
+            <a:extLst>
+              <a:ext uri="{28A0092B-C50C-407E-A947-70E740481C1C}">
+                <a14:useLocalDpi xmlns:a14="http://schemas.microsoft.com/office/drawing/2010/main" val="0"/>
+              </a:ext>
+            </a:extLst>
+          </a:blip>
+          <a:stretch>
+            <a:fillRect/>
+          </a:stretch>
+        </p:blipFill>
+        <p:spPr>
+          <a:xfrm>
+            <a:off x="9144000" y="2699812"/>
+            <a:ext cx="1514527" cy="1028396"/>
+          </a:xfrm>
+          <a:prstGeom prst="rect">
+            <a:avLst/>
+          </a:prstGeom>
+        </p:spPr>
+      </p:pic>
     </p:spTree>
     <p:extLst>
       <p:ext uri="{BB962C8B-B14F-4D97-AF65-F5344CB8AC3E}">
@@ -4780,6 +4876,70 @@
                                           <p:spTgt spid="3">
                                             <p:txEl>
                                               <p:pRg st="1" end="1"/>
+                                            </p:txEl>
+                                          </p:spTgt>
+                                        </p:tgtEl>
+                                      </p:cBhvr>
+                                    </p:animEffect>
+                                  </p:childTnLst>
+                                </p:cTn>
+                              </p:par>
+                            </p:childTnLst>
+                          </p:cTn>
+                        </p:par>
+                      </p:childTnLst>
+                    </p:cTn>
+                  </p:par>
+                  <p:par>
+                    <p:cTn id="16" fill="hold">
+                      <p:stCondLst>
+                        <p:cond delay="indefinite"/>
+                      </p:stCondLst>
+                      <p:childTnLst>
+                        <p:par>
+                          <p:cTn id="17" fill="hold">
+                            <p:stCondLst>
+                              <p:cond delay="0"/>
+                            </p:stCondLst>
+                            <p:childTnLst>
+                              <p:par>
+                                <p:cTn id="18" presetID="10" presetClass="entr" presetSubtype="0" fill="hold" grpId="0" nodeType="clickEffect">
+                                  <p:stCondLst>
+                                    <p:cond delay="1500"/>
+                                  </p:stCondLst>
+                                  <p:iterate>
+                                    <p:tmPct val="10000"/>
+                                  </p:iterate>
+                                  <p:childTnLst>
+                                    <p:set>
+                                      <p:cBhvr>
+                                        <p:cTn id="19" dur="1" fill="hold">
+                                          <p:stCondLst>
+                                            <p:cond delay="0"/>
+                                          </p:stCondLst>
+                                        </p:cTn>
+                                        <p:tgtEl>
+                                          <p:spTgt spid="3">
+                                            <p:txEl>
+                                              <p:pRg st="2" end="2"/>
+                                            </p:txEl>
+                                          </p:spTgt>
+                                        </p:tgtEl>
+                                        <p:attrNameLst>
+                                          <p:attrName>style.visibility</p:attrName>
+                                        </p:attrNameLst>
+                                      </p:cBhvr>
+                                      <p:to>
+                                        <p:strVal val="visible"/>
+                                      </p:to>
+                                    </p:set>
+                                    <p:animEffect transition="in" filter="fade">
+                                      <p:cBhvr>
+                                        <p:cTn id="20" dur="700"/>
+                                        <p:tgtEl>
+                                          <p:spTgt spid="3">
+                                            <p:txEl>
+                                              <p:pRg st="2" end="2"/>
                                             </p:txEl>
                                           </p:spTgt>
                                         </p:tgtEl>
